--- a/Slides2/TestConversion.pptx
+++ b/Slides2/TestConversion.pptx
@@ -104,6 +104,11 @@
       </a:defRPr>
     </a:lvl9pPr>
   </p:defaultTextStyle>
+  <p:extLst>
+    <p:ext uri="{EFAFB233-063F-42B5-8137-9DF3F51BA10A}">
+      <p15:sldGuideLst xmlns:p15="http://schemas.microsoft.com/office/powerpoint/2012/main"/>
+    </p:ext>
+  </p:extLst>
 </p:presentation>
 </file>
 
@@ -238,7 +243,7 @@
           <a:p>
             <a:fld id="{1E836FBE-05B5-4CE9-A0C8-C7384EBBC6E9}" type="datetimeFigureOut">
               <a:rPr lang="en-US" smtClean="0"/>
-              <a:t>10/26/2015</a:t>
+              <a:t>10/28/2015</a:t>
             </a:fld>
             <a:endParaRPr lang="en-US"/>
           </a:p>
@@ -408,7 +413,7 @@
           <a:p>
             <a:fld id="{1E836FBE-05B5-4CE9-A0C8-C7384EBBC6E9}" type="datetimeFigureOut">
               <a:rPr lang="en-US" smtClean="0"/>
-              <a:t>10/26/2015</a:t>
+              <a:t>10/28/2015</a:t>
             </a:fld>
             <a:endParaRPr lang="en-US"/>
           </a:p>
@@ -588,7 +593,7 @@
           <a:p>
             <a:fld id="{1E836FBE-05B5-4CE9-A0C8-C7384EBBC6E9}" type="datetimeFigureOut">
               <a:rPr lang="en-US" smtClean="0"/>
-              <a:t>10/26/2015</a:t>
+              <a:t>10/28/2015</a:t>
             </a:fld>
             <a:endParaRPr lang="en-US"/>
           </a:p>
@@ -758,7 +763,7 @@
           <a:p>
             <a:fld id="{1E836FBE-05B5-4CE9-A0C8-C7384EBBC6E9}" type="datetimeFigureOut">
               <a:rPr lang="en-US" smtClean="0"/>
-              <a:t>10/26/2015</a:t>
+              <a:t>10/28/2015</a:t>
             </a:fld>
             <a:endParaRPr lang="en-US"/>
           </a:p>
@@ -1004,7 +1009,7 @@
           <a:p>
             <a:fld id="{1E836FBE-05B5-4CE9-A0C8-C7384EBBC6E9}" type="datetimeFigureOut">
               <a:rPr lang="en-US" smtClean="0"/>
-              <a:t>10/26/2015</a:t>
+              <a:t>10/28/2015</a:t>
             </a:fld>
             <a:endParaRPr lang="en-US"/>
           </a:p>
@@ -1236,7 +1241,7 @@
           <a:p>
             <a:fld id="{1E836FBE-05B5-4CE9-A0C8-C7384EBBC6E9}" type="datetimeFigureOut">
               <a:rPr lang="en-US" smtClean="0"/>
-              <a:t>10/26/2015</a:t>
+              <a:t>10/28/2015</a:t>
             </a:fld>
             <a:endParaRPr lang="en-US"/>
           </a:p>
@@ -1603,7 +1608,7 @@
           <a:p>
             <a:fld id="{1E836FBE-05B5-4CE9-A0C8-C7384EBBC6E9}" type="datetimeFigureOut">
               <a:rPr lang="en-US" smtClean="0"/>
-              <a:t>10/26/2015</a:t>
+              <a:t>10/28/2015</a:t>
             </a:fld>
             <a:endParaRPr lang="en-US"/>
           </a:p>
@@ -1721,7 +1726,7 @@
           <a:p>
             <a:fld id="{1E836FBE-05B5-4CE9-A0C8-C7384EBBC6E9}" type="datetimeFigureOut">
               <a:rPr lang="en-US" smtClean="0"/>
-              <a:t>10/26/2015</a:t>
+              <a:t>10/28/2015</a:t>
             </a:fld>
             <a:endParaRPr lang="en-US"/>
           </a:p>
@@ -1816,7 +1821,7 @@
           <a:p>
             <a:fld id="{1E836FBE-05B5-4CE9-A0C8-C7384EBBC6E9}" type="datetimeFigureOut">
               <a:rPr lang="en-US" smtClean="0"/>
-              <a:t>10/26/2015</a:t>
+              <a:t>10/28/2015</a:t>
             </a:fld>
             <a:endParaRPr lang="en-US"/>
           </a:p>
@@ -2093,7 +2098,7 @@
           <a:p>
             <a:fld id="{1E836FBE-05B5-4CE9-A0C8-C7384EBBC6E9}" type="datetimeFigureOut">
               <a:rPr lang="en-US" smtClean="0"/>
-              <a:t>10/26/2015</a:t>
+              <a:t>10/28/2015</a:t>
             </a:fld>
             <a:endParaRPr lang="en-US"/>
           </a:p>
@@ -2346,7 +2351,7 @@
           <a:p>
             <a:fld id="{1E836FBE-05B5-4CE9-A0C8-C7384EBBC6E9}" type="datetimeFigureOut">
               <a:rPr lang="en-US" smtClean="0"/>
-              <a:t>10/26/2015</a:t>
+              <a:t>10/28/2015</a:t>
             </a:fld>
             <a:endParaRPr lang="en-US"/>
           </a:p>
@@ -2559,7 +2564,7 @@
           <a:p>
             <a:fld id="{1E836FBE-05B5-4CE9-A0C8-C7384EBBC6E9}" type="datetimeFigureOut">
               <a:rPr lang="en-US" smtClean="0"/>
-              <a:t>10/26/2015</a:t>
+              <a:t>10/28/2015</a:t>
             </a:fld>
             <a:endParaRPr lang="en-US"/>
           </a:p>
@@ -3096,8 +3101,26 @@
               <a:t>typeof</a:t>
             </a:r>
             <a:r>
-              <a:rPr lang="en-US" sz="2000" smtClean="0"/>
-              <a:t>(Exception))]</a:t>
+              <a:rPr lang="en-US" sz="2000" dirty="0" smtClean="0"/>
+              <a:t>(Exception</a:t>
+            </a:r>
+            <a:r>
+              <a:rPr lang="en-US" sz="2000" dirty="0" smtClean="0"/>
+              <a:t>))]</a:t>
+            </a:r>
+          </a:p>
+          <a:p>
+            <a:r>
+              <a:rPr lang="en-US" sz="2000" dirty="0" smtClean="0"/>
+              <a:t>[</a:t>
+            </a:r>
+            <a:r>
+              <a:rPr lang="en-US" sz="2000" dirty="0" err="1" smtClean="0"/>
+              <a:t>TestCase</a:t>
+            </a:r>
+            <a:r>
+              <a:rPr lang="en-US" sz="2000" dirty="0" smtClean="0"/>
+              <a:t>(p1,p2,…)]</a:t>
             </a:r>
             <a:endParaRPr lang="en-US" sz="2000" dirty="0"/>
           </a:p>
@@ -3183,7 +3206,13 @@
               <a:rPr lang="en-US" sz="2000" dirty="0" smtClean="0"/>
               <a:t>)</a:t>
             </a:r>
-            <a:endParaRPr lang="en-US" sz="2000" dirty="0"/>
+          </a:p>
+          <a:p>
+            <a:r>
+              <a:rPr lang="en-US" sz="2000" smtClean="0"/>
+              <a:t>Research Theories or C&amp;P</a:t>
+            </a:r>
+            <a:endParaRPr lang="en-US" sz="2000" dirty="0" smtClean="0"/>
           </a:p>
         </p:txBody>
       </p:sp>
